--- a/team3-proxy-bridge/final_java.pptx
+++ b/team3-proxy-bridge/final_java.pptx
@@ -14,19 +14,20 @@
     <p:sldId id="270" r:id="rId8"/>
     <p:sldId id="277" r:id="rId9"/>
     <p:sldId id="278" r:id="rId10"/>
-    <p:sldId id="271" r:id="rId11"/>
-    <p:sldId id="272" r:id="rId12"/>
-    <p:sldId id="281" r:id="rId13"/>
-    <p:sldId id="262" r:id="rId14"/>
-    <p:sldId id="273" r:id="rId15"/>
-    <p:sldId id="274" r:id="rId16"/>
-    <p:sldId id="280" r:id="rId17"/>
-    <p:sldId id="279" r:id="rId18"/>
-    <p:sldId id="275" r:id="rId19"/>
-    <p:sldId id="276" r:id="rId20"/>
-    <p:sldId id="265" r:id="rId21"/>
-    <p:sldId id="266" r:id="rId22"/>
-    <p:sldId id="267" r:id="rId23"/>
+    <p:sldId id="282" r:id="rId11"/>
+    <p:sldId id="271" r:id="rId12"/>
+    <p:sldId id="272" r:id="rId13"/>
+    <p:sldId id="281" r:id="rId14"/>
+    <p:sldId id="262" r:id="rId15"/>
+    <p:sldId id="273" r:id="rId16"/>
+    <p:sldId id="274" r:id="rId17"/>
+    <p:sldId id="280" r:id="rId18"/>
+    <p:sldId id="279" r:id="rId19"/>
+    <p:sldId id="275" r:id="rId20"/>
+    <p:sldId id="276" r:id="rId21"/>
+    <p:sldId id="265" r:id="rId22"/>
+    <p:sldId id="266" r:id="rId23"/>
+    <p:sldId id="267" r:id="rId24"/>
   </p:sldIdLst>
   <p:sldSz cx="12192000" cy="6858000"/>
   <p:notesSz cx="6858000" cy="9144000"/>
@@ -280,7 +281,7 @@
           <a:p>
             <a:fld id="{360309A4-6AB7-4D5C-9F19-2E053FF7AB93}" type="datetimeFigureOut">
               <a:rPr lang="ru-RU" smtClean="0"/>
-              <a:t>22.11.2025</a:t>
+              <a:t>13.12.2025</a:t>
             </a:fld>
             <a:endParaRPr lang="ru-RU"/>
           </a:p>
@@ -478,7 +479,7 @@
           <a:p>
             <a:fld id="{360309A4-6AB7-4D5C-9F19-2E053FF7AB93}" type="datetimeFigureOut">
               <a:rPr lang="ru-RU" smtClean="0"/>
-              <a:t>22.11.2025</a:t>
+              <a:t>13.12.2025</a:t>
             </a:fld>
             <a:endParaRPr lang="ru-RU"/>
           </a:p>
@@ -686,7 +687,7 @@
           <a:p>
             <a:fld id="{360309A4-6AB7-4D5C-9F19-2E053FF7AB93}" type="datetimeFigureOut">
               <a:rPr lang="ru-RU" smtClean="0"/>
-              <a:t>22.11.2025</a:t>
+              <a:t>13.12.2025</a:t>
             </a:fld>
             <a:endParaRPr lang="ru-RU"/>
           </a:p>
@@ -884,7 +885,7 @@
           <a:p>
             <a:fld id="{360309A4-6AB7-4D5C-9F19-2E053FF7AB93}" type="datetimeFigureOut">
               <a:rPr lang="ru-RU" smtClean="0"/>
-              <a:t>22.11.2025</a:t>
+              <a:t>13.12.2025</a:t>
             </a:fld>
             <a:endParaRPr lang="ru-RU"/>
           </a:p>
@@ -1159,7 +1160,7 @@
           <a:p>
             <a:fld id="{360309A4-6AB7-4D5C-9F19-2E053FF7AB93}" type="datetimeFigureOut">
               <a:rPr lang="ru-RU" smtClean="0"/>
-              <a:t>22.11.2025</a:t>
+              <a:t>13.12.2025</a:t>
             </a:fld>
             <a:endParaRPr lang="ru-RU"/>
           </a:p>
@@ -1424,7 +1425,7 @@
           <a:p>
             <a:fld id="{360309A4-6AB7-4D5C-9F19-2E053FF7AB93}" type="datetimeFigureOut">
               <a:rPr lang="ru-RU" smtClean="0"/>
-              <a:t>22.11.2025</a:t>
+              <a:t>13.12.2025</a:t>
             </a:fld>
             <a:endParaRPr lang="ru-RU"/>
           </a:p>
@@ -1836,7 +1837,7 @@
           <a:p>
             <a:fld id="{360309A4-6AB7-4D5C-9F19-2E053FF7AB93}" type="datetimeFigureOut">
               <a:rPr lang="ru-RU" smtClean="0"/>
-              <a:t>22.11.2025</a:t>
+              <a:t>13.12.2025</a:t>
             </a:fld>
             <a:endParaRPr lang="ru-RU"/>
           </a:p>
@@ -1977,7 +1978,7 @@
           <a:p>
             <a:fld id="{360309A4-6AB7-4D5C-9F19-2E053FF7AB93}" type="datetimeFigureOut">
               <a:rPr lang="ru-RU" smtClean="0"/>
-              <a:t>22.11.2025</a:t>
+              <a:t>13.12.2025</a:t>
             </a:fld>
             <a:endParaRPr lang="ru-RU"/>
           </a:p>
@@ -2090,7 +2091,7 @@
           <a:p>
             <a:fld id="{360309A4-6AB7-4D5C-9F19-2E053FF7AB93}" type="datetimeFigureOut">
               <a:rPr lang="ru-RU" smtClean="0"/>
-              <a:t>22.11.2025</a:t>
+              <a:t>13.12.2025</a:t>
             </a:fld>
             <a:endParaRPr lang="ru-RU"/>
           </a:p>
@@ -2401,7 +2402,7 @@
           <a:p>
             <a:fld id="{360309A4-6AB7-4D5C-9F19-2E053FF7AB93}" type="datetimeFigureOut">
               <a:rPr lang="ru-RU" smtClean="0"/>
-              <a:t>22.11.2025</a:t>
+              <a:t>13.12.2025</a:t>
             </a:fld>
             <a:endParaRPr lang="ru-RU"/>
           </a:p>
@@ -2689,7 +2690,7 @@
           <a:p>
             <a:fld id="{360309A4-6AB7-4D5C-9F19-2E053FF7AB93}" type="datetimeFigureOut">
               <a:rPr lang="ru-RU" smtClean="0"/>
-              <a:t>22.11.2025</a:t>
+              <a:t>13.12.2025</a:t>
             </a:fld>
             <a:endParaRPr lang="ru-RU"/>
           </a:p>
@@ -2930,7 +2931,7 @@
           <a:p>
             <a:fld id="{360309A4-6AB7-4D5C-9F19-2E053FF7AB93}" type="datetimeFigureOut">
               <a:rPr lang="ru-RU" smtClean="0"/>
-              <a:t>22.11.2025</a:t>
+              <a:t>13.12.2025</a:t>
             </a:fld>
             <a:endParaRPr lang="ru-RU"/>
           </a:p>
@@ -3472,198 +3473,56 @@
           <a:chExt cx="0" cy="0"/>
         </a:xfrm>
       </p:grpSpPr>
-      <p:sp>
-        <p:nvSpPr>
-          <p:cNvPr id="2" name="Заголовок 1"/>
-          <p:cNvSpPr>
-            <a:spLocks noGrp="1"/>
-          </p:cNvSpPr>
-          <p:nvPr>
-            <p:ph type="title"/>
-          </p:nvPr>
-        </p:nvSpPr>
+      <p:pic>
+        <p:nvPicPr>
+          <p:cNvPr id="4" name="Рисунок 3"/>
+          <p:cNvPicPr>
+            <a:picLocks noChangeAspect="1"/>
+          </p:cNvPicPr>
+          <p:nvPr/>
+        </p:nvPicPr>
+        <p:blipFill rotWithShape="1">
+          <a:blip r:embed="rId2"/>
+          <a:srcRect r="1962" b="6218"/>
+          <a:stretch/>
+        </p:blipFill>
         <p:spPr>
           <a:xfrm>
-            <a:off x="724989" y="41101"/>
-            <a:ext cx="10515600" cy="1325563"/>
+            <a:off x="4552166" y="0"/>
+            <a:ext cx="7491845" cy="3760932"/>
           </a:xfrm>
+          <a:prstGeom prst="rect">
+            <a:avLst/>
+          </a:prstGeom>
         </p:spPr>
-        <p:txBody>
-          <a:bodyPr/>
-          <a:lstStyle/>
-          <a:p>
-            <a:pPr algn="ctr"/>
-            <a:r>
-              <a:rPr lang="ru-RU" dirty="0" smtClean="0"/>
-              <a:t>Применимость </a:t>
-            </a:r>
-            <a:endParaRPr lang="ru-RU" dirty="0"/>
-          </a:p>
-        </p:txBody>
-      </p:sp>
-      <p:sp>
-        <p:nvSpPr>
-          <p:cNvPr id="3" name="Объект 2"/>
-          <p:cNvSpPr>
-            <a:spLocks noGrp="1"/>
-          </p:cNvSpPr>
-          <p:nvPr>
-            <p:ph idx="1"/>
-          </p:nvPr>
-        </p:nvSpPr>
+      </p:pic>
+      <p:pic>
+        <p:nvPicPr>
+          <p:cNvPr id="5" name="Рисунок 4"/>
+          <p:cNvPicPr>
+            <a:picLocks noChangeAspect="1"/>
+          </p:cNvPicPr>
+          <p:nvPr/>
+        </p:nvPicPr>
+        <p:blipFill rotWithShape="1">
+          <a:blip r:embed="rId3"/>
+          <a:srcRect l="3345" t="4905" r="3667" b="13678"/>
+          <a:stretch/>
+        </p:blipFill>
         <p:spPr>
           <a:xfrm>
-            <a:off x="724989" y="1115922"/>
-            <a:ext cx="10515600" cy="4580415"/>
+            <a:off x="0" y="3714172"/>
+            <a:ext cx="7854584" cy="2899064"/>
           </a:xfrm>
+          <a:prstGeom prst="rect">
+            <a:avLst/>
+          </a:prstGeom>
         </p:spPr>
-        <p:txBody>
-          <a:bodyPr>
-            <a:normAutofit/>
-          </a:bodyPr>
-          <a:lstStyle/>
-          <a:p>
-            <a:r>
-              <a:rPr lang="ru-RU" sz="2400" dirty="0"/>
-              <a:t>Ленивая инициализация (виртуальный прокси</a:t>
-            </a:r>
-            <a:r>
-              <a:rPr lang="ru-RU" sz="2400" dirty="0" smtClean="0"/>
-              <a:t>).</a:t>
-            </a:r>
-          </a:p>
-          <a:p>
-            <a:pPr marL="0" indent="0">
-              <a:buNone/>
-            </a:pPr>
-            <a:r>
-              <a:rPr lang="ru-RU" sz="1900" dirty="0" smtClean="0"/>
-              <a:t>Когда </a:t>
-            </a:r>
-            <a:r>
-              <a:rPr lang="ru-RU" sz="1900" dirty="0"/>
-              <a:t>у вас есть тяжёлый объект, грузящий данные из файловой системы или базы </a:t>
-            </a:r>
-            <a:r>
-              <a:rPr lang="ru-RU" sz="1900" dirty="0" smtClean="0"/>
-              <a:t>данных</a:t>
-            </a:r>
-            <a:endParaRPr lang="ru-RU" sz="1900" dirty="0"/>
-          </a:p>
-          <a:p>
-            <a:r>
-              <a:rPr lang="ru-RU" sz="2400" dirty="0"/>
-              <a:t>Защита доступа (защищающий прокси). </a:t>
-            </a:r>
-            <a:endParaRPr lang="ru-RU" sz="2400" dirty="0" smtClean="0"/>
-          </a:p>
-          <a:p>
-            <a:pPr marL="0" indent="0">
-              <a:buNone/>
-            </a:pPr>
-            <a:r>
-              <a:rPr lang="ru-RU" sz="1900" dirty="0" smtClean="0"/>
-              <a:t>Когда </a:t>
-            </a:r>
-            <a:r>
-              <a:rPr lang="ru-RU" sz="1900" dirty="0"/>
-              <a:t>в программе есть разные типы пользователей, и вам хочется защищать объект от неавторизованного доступа</a:t>
-            </a:r>
-            <a:r>
-              <a:rPr lang="ru-RU" sz="1900" dirty="0" smtClean="0"/>
-              <a:t>.</a:t>
-            </a:r>
-          </a:p>
-          <a:p>
-            <a:r>
-              <a:rPr lang="ru-RU" sz="2400" dirty="0"/>
-              <a:t>Локальный запуск сервиса (удалённый прокси). </a:t>
-            </a:r>
-            <a:endParaRPr lang="ru-RU" sz="2400" dirty="0" smtClean="0"/>
-          </a:p>
-          <a:p>
-            <a:pPr marL="0" indent="0">
-              <a:buNone/>
-            </a:pPr>
-            <a:r>
-              <a:rPr lang="ru-RU" sz="1900" dirty="0" smtClean="0"/>
-              <a:t>Когда </a:t>
-            </a:r>
-            <a:r>
-              <a:rPr lang="ru-RU" sz="1900" dirty="0"/>
-              <a:t>настоящий сервисный объект находится на удалённом сервере</a:t>
-            </a:r>
-            <a:r>
-              <a:rPr lang="ru-RU" sz="1900" dirty="0" smtClean="0"/>
-              <a:t>.</a:t>
-            </a:r>
-          </a:p>
-          <a:p>
-            <a:r>
-              <a:rPr lang="ru-RU" sz="2400" dirty="0" err="1"/>
-              <a:t>Логирование</a:t>
-            </a:r>
-            <a:r>
-              <a:rPr lang="ru-RU" sz="2400" dirty="0"/>
-              <a:t> запросов (</a:t>
-            </a:r>
-            <a:r>
-              <a:rPr lang="ru-RU" sz="2400" dirty="0" err="1"/>
-              <a:t>логирующий</a:t>
-            </a:r>
-            <a:r>
-              <a:rPr lang="ru-RU" sz="2400" dirty="0"/>
-              <a:t> прокси). </a:t>
-            </a:r>
-            <a:endParaRPr lang="ru-RU" sz="2400" dirty="0" smtClean="0"/>
-          </a:p>
-          <a:p>
-            <a:pPr marL="0" indent="0">
-              <a:buNone/>
-            </a:pPr>
-            <a:r>
-              <a:rPr lang="ru-RU" sz="1900" dirty="0" smtClean="0"/>
-              <a:t>Когда </a:t>
-            </a:r>
-            <a:r>
-              <a:rPr lang="ru-RU" sz="1900" dirty="0"/>
-              <a:t>требуется хранить историю обращений к сервисному объекту</a:t>
-            </a:r>
-            <a:r>
-              <a:rPr lang="ru-RU" sz="1900" dirty="0" smtClean="0"/>
-              <a:t>.</a:t>
-            </a:r>
-          </a:p>
-          <a:p>
-            <a:r>
-              <a:rPr lang="ru-RU" sz="2400" dirty="0"/>
-              <a:t>Кеширование объектов («умная» ссылка). </a:t>
-            </a:r>
-            <a:endParaRPr lang="ru-RU" sz="2400" dirty="0" smtClean="0"/>
-          </a:p>
-          <a:p>
-            <a:pPr marL="0" indent="0">
-              <a:buNone/>
-            </a:pPr>
-            <a:r>
-              <a:rPr lang="ru-RU" sz="1900" dirty="0" smtClean="0"/>
-              <a:t>Когда </a:t>
-            </a:r>
-            <a:r>
-              <a:rPr lang="ru-RU" sz="1900" dirty="0"/>
-              <a:t>нужно кешировать результаты запросов клиентов и управлять их жизненным циклом.</a:t>
-            </a:r>
-            <a:endParaRPr lang="ru-RU" sz="1900" dirty="0" smtClean="0"/>
-          </a:p>
-          <a:p>
-            <a:endParaRPr lang="ru-RU" dirty="0"/>
-          </a:p>
-        </p:txBody>
-      </p:sp>
+      </p:pic>
     </p:spTree>
     <p:extLst>
       <p:ext uri="{BB962C8B-B14F-4D97-AF65-F5344CB8AC3E}">
-        <p14:creationId xmlns:p14="http://schemas.microsoft.com/office/powerpoint/2010/main" val="3140875678"/>
+        <p14:creationId xmlns:p14="http://schemas.microsoft.com/office/powerpoint/2010/main" val="2954245443"/>
       </p:ext>
     </p:extLst>
   </p:cSld>
@@ -3692,6 +3551,224 @@
       </p:grpSpPr>
       <p:sp>
         <p:nvSpPr>
+          <p:cNvPr id="2" name="Заголовок 1"/>
+          <p:cNvSpPr>
+            <a:spLocks noGrp="1"/>
+          </p:cNvSpPr>
+          <p:nvPr>
+            <p:ph type="title"/>
+          </p:nvPr>
+        </p:nvSpPr>
+        <p:spPr>
+          <a:xfrm>
+            <a:off x="724989" y="41101"/>
+            <a:ext cx="10515600" cy="1325563"/>
+          </a:xfrm>
+        </p:spPr>
+        <p:txBody>
+          <a:bodyPr/>
+          <a:lstStyle/>
+          <a:p>
+            <a:pPr algn="ctr"/>
+            <a:r>
+              <a:rPr lang="ru-RU" dirty="0" smtClean="0"/>
+              <a:t>Применимость </a:t>
+            </a:r>
+            <a:endParaRPr lang="ru-RU" dirty="0"/>
+          </a:p>
+        </p:txBody>
+      </p:sp>
+      <p:sp>
+        <p:nvSpPr>
+          <p:cNvPr id="3" name="Объект 2"/>
+          <p:cNvSpPr>
+            <a:spLocks noGrp="1"/>
+          </p:cNvSpPr>
+          <p:nvPr>
+            <p:ph idx="1"/>
+          </p:nvPr>
+        </p:nvSpPr>
+        <p:spPr>
+          <a:xfrm>
+            <a:off x="724989" y="1115922"/>
+            <a:ext cx="10515600" cy="4580415"/>
+          </a:xfrm>
+        </p:spPr>
+        <p:txBody>
+          <a:bodyPr>
+            <a:normAutofit/>
+          </a:bodyPr>
+          <a:lstStyle/>
+          <a:p>
+            <a:r>
+              <a:rPr lang="ru-RU" sz="2400" dirty="0"/>
+              <a:t>Ленивая инициализация (виртуальный прокси</a:t>
+            </a:r>
+            <a:r>
+              <a:rPr lang="ru-RU" sz="2400" dirty="0" smtClean="0"/>
+              <a:t>).</a:t>
+            </a:r>
+          </a:p>
+          <a:p>
+            <a:pPr marL="0" indent="0">
+              <a:buNone/>
+            </a:pPr>
+            <a:r>
+              <a:rPr lang="ru-RU" sz="1900" dirty="0" smtClean="0"/>
+              <a:t>Когда </a:t>
+            </a:r>
+            <a:r>
+              <a:rPr lang="ru-RU" sz="1900" dirty="0"/>
+              <a:t>у вас есть тяжёлый объект, грузящий данные из файловой системы или базы </a:t>
+            </a:r>
+            <a:r>
+              <a:rPr lang="ru-RU" sz="1900" dirty="0" smtClean="0"/>
+              <a:t>данных</a:t>
+            </a:r>
+            <a:endParaRPr lang="ru-RU" sz="1900" dirty="0"/>
+          </a:p>
+          <a:p>
+            <a:r>
+              <a:rPr lang="ru-RU" sz="2400" dirty="0"/>
+              <a:t>Защита доступа (защищающий прокси). </a:t>
+            </a:r>
+            <a:endParaRPr lang="ru-RU" sz="2400" dirty="0" smtClean="0"/>
+          </a:p>
+          <a:p>
+            <a:pPr marL="0" indent="0">
+              <a:buNone/>
+            </a:pPr>
+            <a:r>
+              <a:rPr lang="ru-RU" sz="1900" dirty="0" smtClean="0"/>
+              <a:t>Когда </a:t>
+            </a:r>
+            <a:r>
+              <a:rPr lang="ru-RU" sz="1900" dirty="0"/>
+              <a:t>в программе есть разные типы пользователей, и вам хочется защищать объект от неавторизованного доступа</a:t>
+            </a:r>
+            <a:r>
+              <a:rPr lang="ru-RU" sz="1900" dirty="0" smtClean="0"/>
+              <a:t>.</a:t>
+            </a:r>
+          </a:p>
+          <a:p>
+            <a:r>
+              <a:rPr lang="ru-RU" sz="2400" dirty="0"/>
+              <a:t>Локальный запуск сервиса (удалённый прокси). </a:t>
+            </a:r>
+            <a:endParaRPr lang="ru-RU" sz="2400" dirty="0" smtClean="0"/>
+          </a:p>
+          <a:p>
+            <a:pPr marL="0" indent="0">
+              <a:buNone/>
+            </a:pPr>
+            <a:r>
+              <a:rPr lang="ru-RU" sz="1900" dirty="0" smtClean="0"/>
+              <a:t>Когда </a:t>
+            </a:r>
+            <a:r>
+              <a:rPr lang="ru-RU" sz="1900" dirty="0"/>
+              <a:t>настоящий сервисный объект находится на удалённом сервере</a:t>
+            </a:r>
+            <a:r>
+              <a:rPr lang="ru-RU" sz="1900" dirty="0" smtClean="0"/>
+              <a:t>.</a:t>
+            </a:r>
+          </a:p>
+          <a:p>
+            <a:r>
+              <a:rPr lang="ru-RU" sz="2400" dirty="0" err="1"/>
+              <a:t>Логирование</a:t>
+            </a:r>
+            <a:r>
+              <a:rPr lang="ru-RU" sz="2400" dirty="0"/>
+              <a:t> запросов (</a:t>
+            </a:r>
+            <a:r>
+              <a:rPr lang="ru-RU" sz="2400" dirty="0" err="1"/>
+              <a:t>логирующий</a:t>
+            </a:r>
+            <a:r>
+              <a:rPr lang="ru-RU" sz="2400" dirty="0"/>
+              <a:t> прокси). </a:t>
+            </a:r>
+            <a:endParaRPr lang="ru-RU" sz="2400" dirty="0" smtClean="0"/>
+          </a:p>
+          <a:p>
+            <a:pPr marL="0" indent="0">
+              <a:buNone/>
+            </a:pPr>
+            <a:r>
+              <a:rPr lang="ru-RU" sz="1900" dirty="0" smtClean="0"/>
+              <a:t>Когда </a:t>
+            </a:r>
+            <a:r>
+              <a:rPr lang="ru-RU" sz="1900" dirty="0"/>
+              <a:t>требуется хранить историю обращений к сервисному объекту</a:t>
+            </a:r>
+            <a:r>
+              <a:rPr lang="ru-RU" sz="1900" dirty="0" smtClean="0"/>
+              <a:t>.</a:t>
+            </a:r>
+          </a:p>
+          <a:p>
+            <a:r>
+              <a:rPr lang="ru-RU" sz="2400" dirty="0"/>
+              <a:t>Кеширование объектов («умная» ссылка). </a:t>
+            </a:r>
+            <a:endParaRPr lang="ru-RU" sz="2400" dirty="0" smtClean="0"/>
+          </a:p>
+          <a:p>
+            <a:pPr marL="0" indent="0">
+              <a:buNone/>
+            </a:pPr>
+            <a:r>
+              <a:rPr lang="ru-RU" sz="1900" dirty="0" smtClean="0"/>
+              <a:t>Когда </a:t>
+            </a:r>
+            <a:r>
+              <a:rPr lang="ru-RU" sz="1900" dirty="0"/>
+              <a:t>нужно кешировать результаты запросов клиентов и управлять их жизненным циклом.</a:t>
+            </a:r>
+            <a:endParaRPr lang="ru-RU" sz="1900" dirty="0" smtClean="0"/>
+          </a:p>
+          <a:p>
+            <a:endParaRPr lang="ru-RU" dirty="0"/>
+          </a:p>
+        </p:txBody>
+      </p:sp>
+    </p:spTree>
+    <p:extLst>
+      <p:ext uri="{BB962C8B-B14F-4D97-AF65-F5344CB8AC3E}">
+        <p14:creationId xmlns:p14="http://schemas.microsoft.com/office/powerpoint/2010/main" val="3140875678"/>
+      </p:ext>
+    </p:extLst>
+  </p:cSld>
+  <p:clrMapOvr>
+    <a:masterClrMapping/>
+  </p:clrMapOvr>
+</p:sld>
+</file>
+
+<file path=ppt/slides/slide12.xml><?xml version="1.0" encoding="utf-8"?>
+<p:sld xmlns:a="http://schemas.openxmlformats.org/drawingml/2006/main" xmlns:r="http://schemas.openxmlformats.org/officeDocument/2006/relationships" xmlns:p="http://schemas.openxmlformats.org/presentationml/2006/main">
+  <p:cSld>
+    <p:spTree>
+      <p:nvGrpSpPr>
+        <p:cNvPr id="1" name=""/>
+        <p:cNvGrpSpPr/>
+        <p:nvPr/>
+      </p:nvGrpSpPr>
+      <p:grpSpPr>
+        <a:xfrm>
+          <a:off x="0" y="0"/>
+          <a:ext cx="0" cy="0"/>
+          <a:chOff x="0" y="0"/>
+          <a:chExt cx="0" cy="0"/>
+        </a:xfrm>
+      </p:grpSpPr>
+      <p:sp>
+        <p:nvSpPr>
           <p:cNvPr id="7" name="Заголовок 6"/>
           <p:cNvSpPr>
             <a:spLocks noGrp="1"/>
@@ -3788,7 +3865,7 @@
 </p:sld>
 </file>
 
-<file path=ppt/slides/slide12.xml><?xml version="1.0" encoding="utf-8"?>
+<file path=ppt/slides/slide13.xml><?xml version="1.0" encoding="utf-8"?>
 <p:sld xmlns:a="http://schemas.openxmlformats.org/drawingml/2006/main" xmlns:r="http://schemas.openxmlformats.org/officeDocument/2006/relationships" xmlns:p="http://schemas.openxmlformats.org/presentationml/2006/main">
   <p:cSld>
     <p:spTree>
@@ -4572,7 +4649,7 @@
 </p:sld>
 </file>
 
-<file path=ppt/slides/slide13.xml><?xml version="1.0" encoding="utf-8"?>
+<file path=ppt/slides/slide14.xml><?xml version="1.0" encoding="utf-8"?>
 <p:sld xmlns:a="http://schemas.openxmlformats.org/drawingml/2006/main" xmlns:r="http://schemas.openxmlformats.org/officeDocument/2006/relationships" xmlns:p="http://schemas.openxmlformats.org/presentationml/2006/main">
   <p:cSld>
     <p:spTree>
@@ -4695,110 +4772,6 @@
 </p:sld>
 </file>
 
-<file path=ppt/slides/slide14.xml><?xml version="1.0" encoding="utf-8"?>
-<p:sld xmlns:a="http://schemas.openxmlformats.org/drawingml/2006/main" xmlns:r="http://schemas.openxmlformats.org/officeDocument/2006/relationships" xmlns:p="http://schemas.openxmlformats.org/presentationml/2006/main">
-  <p:cSld>
-    <p:spTree>
-      <p:nvGrpSpPr>
-        <p:cNvPr id="1" name=""/>
-        <p:cNvGrpSpPr/>
-        <p:nvPr/>
-      </p:nvGrpSpPr>
-      <p:grpSpPr>
-        <a:xfrm>
-          <a:off x="0" y="0"/>
-          <a:ext cx="0" cy="0"/>
-          <a:chOff x="0" y="0"/>
-          <a:chExt cx="0" cy="0"/>
-        </a:xfrm>
-      </p:grpSpPr>
-      <p:sp>
-        <p:nvSpPr>
-          <p:cNvPr id="2" name="Заголовок 1"/>
-          <p:cNvSpPr>
-            <a:spLocks noGrp="1"/>
-          </p:cNvSpPr>
-          <p:nvPr>
-            <p:ph type="title"/>
-          </p:nvPr>
-        </p:nvSpPr>
-        <p:spPr/>
-        <p:txBody>
-          <a:bodyPr/>
-          <a:lstStyle/>
-          <a:p>
-            <a:pPr algn="ctr"/>
-            <a:r>
-              <a:rPr lang="en-US" dirty="0" smtClean="0"/>
-              <a:t>Bridge: </a:t>
-            </a:r>
-            <a:r>
-              <a:rPr lang="ru-RU" dirty="0" smtClean="0"/>
-              <a:t>схема и пример</a:t>
-            </a:r>
-            <a:endParaRPr lang="ru-RU" dirty="0"/>
-          </a:p>
-        </p:txBody>
-      </p:sp>
-      <p:sp>
-        <p:nvSpPr>
-          <p:cNvPr id="3" name="Объект 2"/>
-          <p:cNvSpPr>
-            <a:spLocks noGrp="1"/>
-          </p:cNvSpPr>
-          <p:nvPr>
-            <p:ph idx="1"/>
-          </p:nvPr>
-        </p:nvSpPr>
-        <p:spPr/>
-        <p:txBody>
-          <a:bodyPr/>
-          <a:lstStyle/>
-          <a:p>
-            <a:pPr marL="0" indent="0">
-              <a:buNone/>
-            </a:pPr>
-            <a:endParaRPr lang="ru-RU" dirty="0"/>
-          </a:p>
-        </p:txBody>
-      </p:sp>
-      <p:pic>
-        <p:nvPicPr>
-          <p:cNvPr id="5" name="Рисунок 4"/>
-          <p:cNvPicPr>
-            <a:picLocks noChangeAspect="1"/>
-          </p:cNvPicPr>
-          <p:nvPr/>
-        </p:nvPicPr>
-        <p:blipFill>
-          <a:blip r:embed="rId2"/>
-          <a:stretch>
-            <a:fillRect/>
-          </a:stretch>
-        </p:blipFill>
-        <p:spPr>
-          <a:xfrm>
-            <a:off x="3264961" y="1825625"/>
-            <a:ext cx="4823878" cy="2316681"/>
-          </a:xfrm>
-          <a:prstGeom prst="rect">
-            <a:avLst/>
-          </a:prstGeom>
-        </p:spPr>
-      </p:pic>
-    </p:spTree>
-    <p:extLst>
-      <p:ext uri="{BB962C8B-B14F-4D97-AF65-F5344CB8AC3E}">
-        <p14:creationId xmlns:p14="http://schemas.microsoft.com/office/powerpoint/2010/main" val="1418011969"/>
-      </p:ext>
-    </p:extLst>
-  </p:cSld>
-  <p:clrMapOvr>
-    <a:masterClrMapping/>
-  </p:clrMapOvr>
-</p:sld>
-</file>
-
 <file path=ppt/slides/slide15.xml><?xml version="1.0" encoding="utf-8"?>
 <p:sld xmlns:a="http://schemas.openxmlformats.org/drawingml/2006/main" xmlns:r="http://schemas.openxmlformats.org/officeDocument/2006/relationships" xmlns:p="http://schemas.openxmlformats.org/presentationml/2006/main">
   <p:cSld>
@@ -4826,31 +4799,50 @@
             <p:ph type="title"/>
           </p:nvPr>
         </p:nvSpPr>
+        <p:spPr/>
+        <p:txBody>
+          <a:bodyPr/>
+          <a:lstStyle/>
+          <a:p>
+            <a:pPr algn="ctr"/>
+            <a:r>
+              <a:rPr lang="en-US" dirty="0" smtClean="0"/>
+              <a:t>Bridge: </a:t>
+            </a:r>
+            <a:r>
+              <a:rPr lang="ru-RU" dirty="0" smtClean="0"/>
+              <a:t>схема и пример</a:t>
+            </a:r>
+            <a:endParaRPr lang="ru-RU" dirty="0"/>
+          </a:p>
+        </p:txBody>
+      </p:sp>
+      <p:pic>
+        <p:nvPicPr>
+          <p:cNvPr id="4" name="Объект 3"/>
+          <p:cNvPicPr>
+            <a:picLocks noGrp="1" noChangeAspect="1"/>
+          </p:cNvPicPr>
+          <p:nvPr>
+            <p:ph idx="1"/>
+          </p:nvPr>
+        </p:nvPicPr>
+        <p:blipFill>
+          <a:blip r:embed="rId2"/>
+          <a:stretch>
+            <a:fillRect/>
+          </a:stretch>
+        </p:blipFill>
         <p:spPr>
           <a:xfrm>
-            <a:off x="838200" y="365125"/>
-            <a:ext cx="10515600" cy="549275"/>
+            <a:off x="5662078" y="1690688"/>
+            <a:ext cx="5116249" cy="4351338"/>
           </a:xfrm>
+          <a:prstGeom prst="rect">
+            <a:avLst/>
+          </a:prstGeom>
         </p:spPr>
-        <p:txBody>
-          <a:bodyPr>
-            <a:normAutofit fontScale="90000"/>
-          </a:bodyPr>
-          <a:lstStyle/>
-          <a:p>
-            <a:pPr algn="ctr"/>
-            <a:r>
-              <a:rPr lang="en-US" dirty="0" smtClean="0"/>
-              <a:t>Bridge: </a:t>
-            </a:r>
-            <a:r>
-              <a:rPr lang="ru-RU" dirty="0" smtClean="0"/>
-              <a:t>пример с кодом</a:t>
-            </a:r>
-            <a:endParaRPr lang="ru-RU" dirty="0"/>
-          </a:p>
-        </p:txBody>
-      </p:sp>
+      </p:pic>
       <p:pic>
         <p:nvPicPr>
           <p:cNvPr id="5" name="Рисунок 4"/>
@@ -4860,32 +4852,6 @@
           <p:nvPr/>
         </p:nvPicPr>
         <p:blipFill>
-          <a:blip r:embed="rId2"/>
-          <a:stretch>
-            <a:fillRect/>
-          </a:stretch>
-        </p:blipFill>
-        <p:spPr>
-          <a:xfrm>
-            <a:off x="643676" y="914400"/>
-            <a:ext cx="4648627" cy="2015584"/>
-          </a:xfrm>
-          <a:prstGeom prst="rect">
-            <a:avLst/>
-          </a:prstGeom>
-        </p:spPr>
-      </p:pic>
-      <p:pic>
-        <p:nvPicPr>
-          <p:cNvPr id="7" name="Объект 6"/>
-          <p:cNvPicPr>
-            <a:picLocks noGrp="1" noChangeAspect="1"/>
-          </p:cNvPicPr>
-          <p:nvPr>
-            <p:ph idx="1"/>
-          </p:nvPr>
-        </p:nvPicPr>
-        <p:blipFill>
           <a:blip r:embed="rId3"/>
           <a:stretch>
             <a:fillRect/>
@@ -4893,38 +4859,8 @@
         </p:blipFill>
         <p:spPr>
           <a:xfrm>
-            <a:off x="5661660" y="914400"/>
-            <a:ext cx="5508211" cy="4351338"/>
-          </a:xfrm>
-          <a:prstGeom prst="rect">
-            <a:avLst/>
-          </a:prstGeom>
-        </p:spPr>
-      </p:pic>
-      <p:pic>
-        <p:nvPicPr>
-          <p:cNvPr id="8" name="Рисунок 7"/>
-          <p:cNvPicPr>
-            <a:picLocks noChangeAspect="1"/>
-          </p:cNvPicPr>
-          <p:nvPr/>
-        </p:nvPicPr>
-        <p:blipFill>
-          <a:blip r:embed="rId4" cstate="print">
-            <a:extLst>
-              <a:ext uri="{28A0092B-C50C-407E-A947-70E740481C1C}">
-                <a14:useLocalDpi xmlns:a14="http://schemas.microsoft.com/office/drawing/2010/main" val="0"/>
-              </a:ext>
-            </a:extLst>
-          </a:blip>
-          <a:stretch>
-            <a:fillRect/>
-          </a:stretch>
-        </p:blipFill>
-        <p:spPr>
-          <a:xfrm>
-            <a:off x="838200" y="2983324"/>
-            <a:ext cx="3638764" cy="3262382"/>
+            <a:off x="156001" y="1459865"/>
+            <a:ext cx="4823878" cy="2316681"/>
           </a:xfrm>
           <a:prstGeom prst="rect">
             <a:avLst/>
@@ -4934,7 +4870,7 @@
     </p:spTree>
     <p:extLst>
       <p:ext uri="{BB962C8B-B14F-4D97-AF65-F5344CB8AC3E}">
-        <p14:creationId xmlns:p14="http://schemas.microsoft.com/office/powerpoint/2010/main" val="982688500"/>
+        <p14:creationId xmlns:p14="http://schemas.microsoft.com/office/powerpoint/2010/main" val="1418011969"/>
       </p:ext>
     </p:extLst>
   </p:cSld>
@@ -4961,9 +4897,44 @@
           <a:chExt cx="0" cy="0"/>
         </a:xfrm>
       </p:grpSpPr>
+      <p:sp>
+        <p:nvSpPr>
+          <p:cNvPr id="2" name="Заголовок 1"/>
+          <p:cNvSpPr>
+            <a:spLocks noGrp="1"/>
+          </p:cNvSpPr>
+          <p:nvPr>
+            <p:ph type="title"/>
+          </p:nvPr>
+        </p:nvSpPr>
+        <p:spPr>
+          <a:xfrm>
+            <a:off x="838200" y="365125"/>
+            <a:ext cx="10515600" cy="549275"/>
+          </a:xfrm>
+        </p:spPr>
+        <p:txBody>
+          <a:bodyPr>
+            <a:normAutofit fontScale="90000"/>
+          </a:bodyPr>
+          <a:lstStyle/>
+          <a:p>
+            <a:pPr algn="ctr"/>
+            <a:r>
+              <a:rPr lang="en-US" dirty="0" smtClean="0"/>
+              <a:t>Bridge: </a:t>
+            </a:r>
+            <a:r>
+              <a:rPr lang="ru-RU" dirty="0" smtClean="0"/>
+              <a:t>пример с кодом</a:t>
+            </a:r>
+            <a:endParaRPr lang="ru-RU" dirty="0"/>
+          </a:p>
+        </p:txBody>
+      </p:sp>
       <p:pic>
         <p:nvPicPr>
-          <p:cNvPr id="2" name="Рисунок 1"/>
+          <p:cNvPr id="3" name="Рисунок 2"/>
           <p:cNvPicPr>
             <a:picLocks noChangeAspect="1"/>
           </p:cNvPicPr>
@@ -4977,8 +4948,8 @@
         </p:blipFill>
         <p:spPr>
           <a:xfrm>
-            <a:off x="155961" y="323079"/>
-            <a:ext cx="5738357" cy="4854361"/>
+            <a:off x="163041" y="1066483"/>
+            <a:ext cx="3442308" cy="4199255"/>
           </a:xfrm>
           <a:prstGeom prst="rect">
             <a:avLst/>
@@ -4987,11 +4958,13 @@
       </p:pic>
       <p:pic>
         <p:nvPicPr>
-          <p:cNvPr id="3" name="Рисунок 2"/>
+          <p:cNvPr id="9" name="Объект 8"/>
           <p:cNvPicPr>
-            <a:picLocks noChangeAspect="1"/>
+            <a:picLocks noGrp="1" noChangeAspect="1"/>
           </p:cNvPicPr>
-          <p:nvPr/>
+          <p:nvPr>
+            <p:ph idx="1"/>
+          </p:nvPr>
         </p:nvPicPr>
         <p:blipFill>
           <a:blip r:embed="rId3"/>
@@ -5001,8 +4974,56 @@
         </p:blipFill>
         <p:spPr>
           <a:xfrm>
-            <a:off x="6293899" y="323079"/>
-            <a:ext cx="5090601" cy="5060118"/>
+            <a:off x="3706939" y="3909377"/>
+            <a:ext cx="3863675" cy="2743438"/>
+          </a:xfrm>
+          <a:prstGeom prst="rect">
+            <a:avLst/>
+          </a:prstGeom>
+        </p:spPr>
+      </p:pic>
+      <p:pic>
+        <p:nvPicPr>
+          <p:cNvPr id="6" name="Рисунок 5"/>
+          <p:cNvPicPr>
+            <a:picLocks noChangeAspect="1"/>
+          </p:cNvPicPr>
+          <p:nvPr/>
+        </p:nvPicPr>
+        <p:blipFill>
+          <a:blip r:embed="rId4"/>
+          <a:stretch>
+            <a:fillRect/>
+          </a:stretch>
+        </p:blipFill>
+        <p:spPr>
+          <a:xfrm>
+            <a:off x="3706939" y="1066483"/>
+            <a:ext cx="3477633" cy="2690811"/>
+          </a:xfrm>
+          <a:prstGeom prst="rect">
+            <a:avLst/>
+          </a:prstGeom>
+        </p:spPr>
+      </p:pic>
+      <p:pic>
+        <p:nvPicPr>
+          <p:cNvPr id="10" name="Рисунок 9"/>
+          <p:cNvPicPr>
+            <a:picLocks noChangeAspect="1"/>
+          </p:cNvPicPr>
+          <p:nvPr/>
+        </p:nvPicPr>
+        <p:blipFill>
+          <a:blip r:embed="rId5"/>
+          <a:stretch>
+            <a:fillRect/>
+          </a:stretch>
+        </p:blipFill>
+        <p:spPr>
+          <a:xfrm>
+            <a:off x="7672204" y="1153569"/>
+            <a:ext cx="4371363" cy="4872763"/>
           </a:xfrm>
           <a:prstGeom prst="rect">
             <a:avLst/>
@@ -5012,7 +5033,7 @@
     </p:spTree>
     <p:extLst>
       <p:ext uri="{BB962C8B-B14F-4D97-AF65-F5344CB8AC3E}">
-        <p14:creationId xmlns:p14="http://schemas.microsoft.com/office/powerpoint/2010/main" val="4150753023"/>
+        <p14:creationId xmlns:p14="http://schemas.microsoft.com/office/powerpoint/2010/main" val="982688500"/>
       </p:ext>
     </p:extLst>
   </p:cSld>
@@ -5041,7 +5062,7 @@
       </p:grpSpPr>
       <p:pic>
         <p:nvPicPr>
-          <p:cNvPr id="2" name="Рисунок 1"/>
+          <p:cNvPr id="4" name="Рисунок 3"/>
           <p:cNvPicPr>
             <a:picLocks noChangeAspect="1"/>
           </p:cNvPicPr>
@@ -5055,8 +5076,8 @@
         </p:blipFill>
         <p:spPr>
           <a:xfrm>
-            <a:off x="140576" y="259626"/>
-            <a:ext cx="9076207" cy="3551228"/>
+            <a:off x="0" y="0"/>
+            <a:ext cx="5212532" cy="5700254"/>
           </a:xfrm>
           <a:prstGeom prst="rect">
             <a:avLst/>
@@ -5065,7 +5086,7 @@
       </p:pic>
       <p:pic>
         <p:nvPicPr>
-          <p:cNvPr id="3" name="Рисунок 2"/>
+          <p:cNvPr id="5" name="Рисунок 4"/>
           <p:cNvPicPr>
             <a:picLocks noChangeAspect="1"/>
           </p:cNvPicPr>
@@ -5079,8 +5100,8 @@
         </p:blipFill>
         <p:spPr>
           <a:xfrm>
-            <a:off x="5783330" y="2640176"/>
-            <a:ext cx="5761219" cy="3558848"/>
+            <a:off x="5561298" y="314371"/>
+            <a:ext cx="4357766" cy="2802379"/>
           </a:xfrm>
           <a:prstGeom prst="rect">
             <a:avLst/>
@@ -5090,7 +5111,7 @@
     </p:spTree>
     <p:extLst>
       <p:ext uri="{BB962C8B-B14F-4D97-AF65-F5344CB8AC3E}">
-        <p14:creationId xmlns:p14="http://schemas.microsoft.com/office/powerpoint/2010/main" val="2672243304"/>
+        <p14:creationId xmlns:p14="http://schemas.microsoft.com/office/powerpoint/2010/main" val="4150753023"/>
       </p:ext>
     </p:extLst>
   </p:cSld>
@@ -5117,86 +5138,58 @@
           <a:chExt cx="0" cy="0"/>
         </a:xfrm>
       </p:grpSpPr>
-      <p:sp>
-        <p:nvSpPr>
-          <p:cNvPr id="2" name="Заголовок 1"/>
-          <p:cNvSpPr>
-            <a:spLocks noGrp="1"/>
-          </p:cNvSpPr>
-          <p:nvPr>
-            <p:ph type="title"/>
-          </p:nvPr>
-        </p:nvSpPr>
-        <p:spPr/>
-        <p:txBody>
-          <a:bodyPr/>
-          <a:lstStyle/>
-          <a:p>
-            <a:pPr algn="ctr"/>
-            <a:r>
-              <a:rPr lang="ru-RU" dirty="0"/>
-              <a:t>Применимость</a:t>
-            </a:r>
-          </a:p>
-        </p:txBody>
-      </p:sp>
-      <p:sp>
-        <p:nvSpPr>
-          <p:cNvPr id="3" name="Объект 2"/>
-          <p:cNvSpPr>
-            <a:spLocks noGrp="1"/>
-          </p:cNvSpPr>
-          <p:nvPr>
-            <p:ph idx="1"/>
-          </p:nvPr>
-        </p:nvSpPr>
+      <p:pic>
+        <p:nvPicPr>
+          <p:cNvPr id="4" name="Рисунок 3"/>
+          <p:cNvPicPr>
+            <a:picLocks noChangeAspect="1"/>
+          </p:cNvPicPr>
+          <p:nvPr/>
+        </p:nvPicPr>
+        <p:blipFill>
+          <a:blip r:embed="rId2"/>
+          <a:stretch>
+            <a:fillRect/>
+          </a:stretch>
+        </p:blipFill>
         <p:spPr>
           <a:xfrm>
-            <a:off x="838200" y="1825625"/>
-            <a:ext cx="10515600" cy="2731135"/>
+            <a:off x="175542" y="219502"/>
+            <a:ext cx="5630118" cy="4178327"/>
           </a:xfrm>
+          <a:prstGeom prst="rect">
+            <a:avLst/>
+          </a:prstGeom>
         </p:spPr>
-        <p:txBody>
-          <a:bodyPr>
-            <a:normAutofit/>
-          </a:bodyPr>
-          <a:lstStyle/>
-          <a:p>
-            <a:r>
-              <a:rPr lang="ru-RU" sz="2400" dirty="0"/>
-              <a:t>Когда вы хотите избежать постоянной привязки абстракции и реализации.</a:t>
-            </a:r>
-          </a:p>
-          <a:p>
-            <a:r>
-              <a:rPr lang="ru-RU" sz="2400" dirty="0"/>
-              <a:t>Когда и абстракции, и реализации должны расширяться через наследование.</a:t>
-            </a:r>
-          </a:p>
-          <a:p>
-            <a:r>
-              <a:rPr lang="ru-RU" sz="2400" dirty="0"/>
-              <a:t>Когда изменения в реализации не должны отражаться на клиентах.</a:t>
-            </a:r>
-          </a:p>
-          <a:p>
-            <a:r>
-              <a:rPr lang="ru-RU" sz="2400" dirty="0"/>
-              <a:t>Когда вы хотите скрыть от клиента детали реализации.</a:t>
-            </a:r>
-          </a:p>
-          <a:p>
-            <a:r>
-              <a:rPr lang="ru-RU" sz="2400" dirty="0"/>
-              <a:t>Когда у вас есть множество классов, ведущих к раздуванию иерархии.</a:t>
-            </a:r>
-          </a:p>
-        </p:txBody>
-      </p:sp>
+      </p:pic>
+      <p:pic>
+        <p:nvPicPr>
+          <p:cNvPr id="5" name="Рисунок 4"/>
+          <p:cNvPicPr>
+            <a:picLocks noChangeAspect="1"/>
+          </p:cNvPicPr>
+          <p:nvPr/>
+        </p:nvPicPr>
+        <p:blipFill>
+          <a:blip r:embed="rId3"/>
+          <a:stretch>
+            <a:fillRect/>
+          </a:stretch>
+        </p:blipFill>
+        <p:spPr>
+          <a:xfrm>
+            <a:off x="5946583" y="2598242"/>
+            <a:ext cx="6111770" cy="4099915"/>
+          </a:xfrm>
+          <a:prstGeom prst="rect">
+            <a:avLst/>
+          </a:prstGeom>
+        </p:spPr>
+      </p:pic>
     </p:spTree>
     <p:extLst>
       <p:ext uri="{BB962C8B-B14F-4D97-AF65-F5344CB8AC3E}">
-        <p14:creationId xmlns:p14="http://schemas.microsoft.com/office/powerpoint/2010/main" val="133679240"/>
+        <p14:creationId xmlns:p14="http://schemas.microsoft.com/office/powerpoint/2010/main" val="2672243304"/>
       </p:ext>
     </p:extLst>
   </p:cSld>
@@ -5240,24 +5233,28 @@
           <a:p>
             <a:pPr algn="ctr"/>
             <a:r>
-              <a:rPr lang="ru-RU" dirty="0" smtClean="0"/>
-              <a:t>Преимущества и недостатки</a:t>
-            </a:r>
-            <a:endParaRPr lang="ru-RU" dirty="0"/>
-          </a:p>
-        </p:txBody>
-      </p:sp>
-      <p:sp>
-        <p:nvSpPr>
-          <p:cNvPr id="4" name="Объект 3"/>
-          <p:cNvSpPr>
-            <a:spLocks noGrp="1"/>
-          </p:cNvSpPr>
-          <p:nvPr>
-            <p:ph sz="half" idx="1"/>
-          </p:nvPr>
-        </p:nvSpPr>
-        <p:spPr/>
+              <a:rPr lang="ru-RU" dirty="0"/>
+              <a:t>Применимость</a:t>
+            </a:r>
+          </a:p>
+        </p:txBody>
+      </p:sp>
+      <p:sp>
+        <p:nvSpPr>
+          <p:cNvPr id="3" name="Объект 2"/>
+          <p:cNvSpPr>
+            <a:spLocks noGrp="1"/>
+          </p:cNvSpPr>
+          <p:nvPr>
+            <p:ph idx="1"/>
+          </p:nvPr>
+        </p:nvSpPr>
+        <p:spPr>
+          <a:xfrm>
+            <a:off x="838200" y="1825625"/>
+            <a:ext cx="10515600" cy="2731135"/>
+          </a:xfrm>
+        </p:spPr>
         <p:txBody>
           <a:bodyPr>
             <a:normAutofit/>
@@ -5266,51 +5263,31 @@
           <a:p>
             <a:r>
               <a:rPr lang="ru-RU" sz="2400" dirty="0"/>
-              <a:t>Позволяет строить </a:t>
-            </a:r>
-            <a:r>
-              <a:rPr lang="ru-RU" sz="2400" dirty="0" err="1"/>
-              <a:t>платформо</a:t>
-            </a:r>
+              <a:t>Когда вы хотите избежать постоянной привязки абстракции и реализации.</a:t>
+            </a:r>
+          </a:p>
+          <a:p>
             <a:r>
               <a:rPr lang="ru-RU" sz="2400" dirty="0"/>
-              <a:t>-независимые программы.</a:t>
+              <a:t>Когда и абстракции, и реализации должны расширяться через наследование.</a:t>
             </a:r>
           </a:p>
           <a:p>
             <a:r>
               <a:rPr lang="ru-RU" sz="2400" dirty="0"/>
-              <a:t> Скрывает лишние или опасные детали реализации от клиентского кода.</a:t>
+              <a:t>Когда изменения в реализации не должны отражаться на клиентах.</a:t>
             </a:r>
           </a:p>
           <a:p>
             <a:r>
               <a:rPr lang="ru-RU" sz="2400" dirty="0"/>
-              <a:t> Реализует принцип открытости/закрытости.</a:t>
-            </a:r>
-          </a:p>
-        </p:txBody>
-      </p:sp>
-      <p:sp>
-        <p:nvSpPr>
-          <p:cNvPr id="5" name="Объект 4"/>
-          <p:cNvSpPr>
-            <a:spLocks noGrp="1"/>
-          </p:cNvSpPr>
-          <p:nvPr>
-            <p:ph sz="half" idx="2"/>
-          </p:nvPr>
-        </p:nvSpPr>
-        <p:spPr/>
-        <p:txBody>
-          <a:bodyPr>
-            <a:normAutofit/>
-          </a:bodyPr>
-          <a:lstStyle/>
+              <a:t>Когда вы хотите скрыть от клиента детали реализации.</a:t>
+            </a:r>
+          </a:p>
           <a:p>
             <a:r>
               <a:rPr lang="ru-RU" sz="2400" dirty="0"/>
-              <a:t>Усложняет код программы из-за введения дополнительных классов.</a:t>
+              <a:t>Когда у вас есть множество классов, ведущих к раздуванию иерархии.</a:t>
             </a:r>
           </a:p>
         </p:txBody>
@@ -5318,7 +5295,7 @@
     </p:spTree>
     <p:extLst>
       <p:ext uri="{BB962C8B-B14F-4D97-AF65-F5344CB8AC3E}">
-        <p14:creationId xmlns:p14="http://schemas.microsoft.com/office/powerpoint/2010/main" val="154409663"/>
+        <p14:creationId xmlns:p14="http://schemas.microsoft.com/office/powerpoint/2010/main" val="133679240"/>
       </p:ext>
     </p:extLst>
   </p:cSld>
@@ -5517,6 +5494,128 @@
       </p:grpSpPr>
       <p:sp>
         <p:nvSpPr>
+          <p:cNvPr id="2" name="Заголовок 1"/>
+          <p:cNvSpPr>
+            <a:spLocks noGrp="1"/>
+          </p:cNvSpPr>
+          <p:nvPr>
+            <p:ph type="title"/>
+          </p:nvPr>
+        </p:nvSpPr>
+        <p:spPr/>
+        <p:txBody>
+          <a:bodyPr/>
+          <a:lstStyle/>
+          <a:p>
+            <a:pPr algn="ctr"/>
+            <a:r>
+              <a:rPr lang="ru-RU" dirty="0" smtClean="0"/>
+              <a:t>Преимущества и недостатки</a:t>
+            </a:r>
+            <a:endParaRPr lang="ru-RU" dirty="0"/>
+          </a:p>
+        </p:txBody>
+      </p:sp>
+      <p:sp>
+        <p:nvSpPr>
+          <p:cNvPr id="4" name="Объект 3"/>
+          <p:cNvSpPr>
+            <a:spLocks noGrp="1"/>
+          </p:cNvSpPr>
+          <p:nvPr>
+            <p:ph sz="half" idx="1"/>
+          </p:nvPr>
+        </p:nvSpPr>
+        <p:spPr/>
+        <p:txBody>
+          <a:bodyPr>
+            <a:normAutofit/>
+          </a:bodyPr>
+          <a:lstStyle/>
+          <a:p>
+            <a:r>
+              <a:rPr lang="ru-RU" sz="2400" dirty="0"/>
+              <a:t>Позволяет строить </a:t>
+            </a:r>
+            <a:r>
+              <a:rPr lang="ru-RU" sz="2400" dirty="0" err="1"/>
+              <a:t>платформо</a:t>
+            </a:r>
+            <a:r>
+              <a:rPr lang="ru-RU" sz="2400" dirty="0"/>
+              <a:t>-независимые программы.</a:t>
+            </a:r>
+          </a:p>
+          <a:p>
+            <a:r>
+              <a:rPr lang="ru-RU" sz="2400" dirty="0"/>
+              <a:t> Скрывает лишние или опасные детали реализации от клиентского кода.</a:t>
+            </a:r>
+          </a:p>
+          <a:p>
+            <a:r>
+              <a:rPr lang="ru-RU" sz="2400" dirty="0"/>
+              <a:t> Реализует принцип открытости/закрытости.</a:t>
+            </a:r>
+          </a:p>
+        </p:txBody>
+      </p:sp>
+      <p:sp>
+        <p:nvSpPr>
+          <p:cNvPr id="5" name="Объект 4"/>
+          <p:cNvSpPr>
+            <a:spLocks noGrp="1"/>
+          </p:cNvSpPr>
+          <p:nvPr>
+            <p:ph sz="half" idx="2"/>
+          </p:nvPr>
+        </p:nvSpPr>
+        <p:spPr/>
+        <p:txBody>
+          <a:bodyPr>
+            <a:normAutofit/>
+          </a:bodyPr>
+          <a:lstStyle/>
+          <a:p>
+            <a:r>
+              <a:rPr lang="ru-RU" sz="2400" dirty="0"/>
+              <a:t>Усложняет код программы из-за введения дополнительных классов.</a:t>
+            </a:r>
+          </a:p>
+        </p:txBody>
+      </p:sp>
+    </p:spTree>
+    <p:extLst>
+      <p:ext uri="{BB962C8B-B14F-4D97-AF65-F5344CB8AC3E}">
+        <p14:creationId xmlns:p14="http://schemas.microsoft.com/office/powerpoint/2010/main" val="154409663"/>
+      </p:ext>
+    </p:extLst>
+  </p:cSld>
+  <p:clrMapOvr>
+    <a:masterClrMapping/>
+  </p:clrMapOvr>
+</p:sld>
+</file>
+
+<file path=ppt/slides/slide21.xml><?xml version="1.0" encoding="utf-8"?>
+<p:sld xmlns:a="http://schemas.openxmlformats.org/drawingml/2006/main" xmlns:r="http://schemas.openxmlformats.org/officeDocument/2006/relationships" xmlns:p="http://schemas.openxmlformats.org/presentationml/2006/main">
+  <p:cSld>
+    <p:spTree>
+      <p:nvGrpSpPr>
+        <p:cNvPr id="1" name=""/>
+        <p:cNvGrpSpPr/>
+        <p:nvPr/>
+      </p:nvGrpSpPr>
+      <p:grpSpPr>
+        <a:xfrm>
+          <a:off x="0" y="0"/>
+          <a:ext cx="0" cy="0"/>
+          <a:chOff x="0" y="0"/>
+          <a:chExt cx="0" cy="0"/>
+        </a:xfrm>
+      </p:grpSpPr>
+      <p:sp>
+        <p:nvSpPr>
           <p:cNvPr id="2" name="Заголовок 1">
             <a:extLst>
               <a:ext uri="{FF2B5EF4-FFF2-40B4-BE49-F238E27FC236}">
@@ -5664,11 +5763,7 @@
             </a:pPr>
             <a:r>
               <a:rPr lang="ru-RU" dirty="0" smtClean="0"/>
-              <a:t>Пульты </a:t>
-            </a:r>
-            <a:r>
-              <a:rPr lang="ru-RU" dirty="0" smtClean="0"/>
-              <a:t>+ устройства</a:t>
+              <a:t>Пульты + устройства</a:t>
             </a:r>
           </a:p>
           <a:p>
@@ -6058,7 +6153,7 @@
 </p:sld>
 </file>
 
-<file path=ppt/slides/slide21.xml><?xml version="1.0" encoding="utf-8"?>
+<file path=ppt/slides/slide22.xml><?xml version="1.0" encoding="utf-8"?>
 <p:sld xmlns:a="http://schemas.openxmlformats.org/drawingml/2006/main" xmlns:r="http://schemas.openxmlformats.org/officeDocument/2006/relationships" xmlns:p="http://schemas.openxmlformats.org/presentationml/2006/main">
   <p:cSld>
     <p:spTree>
@@ -6189,7 +6284,7 @@
 </p:sld>
 </file>
 
-<file path=ppt/slides/slide22.xml><?xml version="1.0" encoding="utf-8"?>
+<file path=ppt/slides/slide23.xml><?xml version="1.0" encoding="utf-8"?>
 <p:sld xmlns:a="http://schemas.openxmlformats.org/drawingml/2006/main" xmlns:r="http://schemas.openxmlformats.org/officeDocument/2006/relationships" xmlns:p="http://schemas.openxmlformats.org/presentationml/2006/main">
   <p:cSld>
     <p:spTree>
@@ -7054,7 +7149,7 @@
         </p:blipFill>
         <p:spPr>
           <a:xfrm>
-            <a:off x="5746928" y="394652"/>
+            <a:off x="6547028" y="4530234"/>
             <a:ext cx="4582164" cy="704948"/>
           </a:xfrm>
           <a:prstGeom prst="rect">
@@ -7078,7 +7173,7 @@
         </p:blipFill>
         <p:spPr>
           <a:xfrm>
-            <a:off x="226423" y="4936373"/>
+            <a:off x="5746928" y="1946795"/>
             <a:ext cx="6026331" cy="1651661"/>
           </a:xfrm>
           <a:prstGeom prst="rect">
@@ -7101,7 +7196,7 @@
         </p:blipFill>
         <p:spPr>
           <a:xfrm>
-            <a:off x="226423" y="394652"/>
+            <a:off x="371896" y="1423352"/>
             <a:ext cx="5114920" cy="4350209"/>
           </a:xfrm>
           <a:prstGeom prst="rect">
@@ -7109,59 +7204,6 @@
           </a:prstGeom>
         </p:spPr>
       </p:pic>
-      <p:pic>
-        <p:nvPicPr>
-          <p:cNvPr id="2" name="Рисунок 1"/>
-          <p:cNvPicPr>
-            <a:picLocks noChangeAspect="1"/>
-          </p:cNvPicPr>
-          <p:nvPr/>
-        </p:nvPicPr>
-        <p:blipFill rotWithShape="1">
-          <a:blip r:embed="rId5"/>
-          <a:srcRect b="20642"/>
-          <a:stretch/>
-        </p:blipFill>
-        <p:spPr>
-          <a:xfrm>
-            <a:off x="5746928" y="1450752"/>
-            <a:ext cx="5924727" cy="3134468"/>
-          </a:xfrm>
-          <a:prstGeom prst="rect">
-            <a:avLst/>
-          </a:prstGeom>
-        </p:spPr>
-      </p:pic>
-      <p:sp>
-        <p:nvSpPr>
-          <p:cNvPr id="3" name="TextBox 2"/>
-          <p:cNvSpPr txBox="1"/>
-          <p:nvPr/>
-        </p:nvSpPr>
-        <p:spPr>
-          <a:xfrm>
-            <a:off x="7010399" y="4585220"/>
-            <a:ext cx="3769895" cy="369332"/>
-          </a:xfrm>
-          <a:prstGeom prst="rect">
-            <a:avLst/>
-          </a:prstGeom>
-          <a:noFill/>
-        </p:spPr>
-        <p:txBody>
-          <a:bodyPr wrap="square" rtlCol="0">
-            <a:spAutoFit/>
-          </a:bodyPr>
-          <a:lstStyle/>
-          <a:p>
-            <a:r>
-              <a:rPr lang="ru-RU" dirty="0" smtClean="0"/>
-              <a:t>Диаграмма последовательностей</a:t>
-            </a:r>
-            <a:endParaRPr lang="ru-RU" dirty="0"/>
-          </a:p>
-        </p:txBody>
-      </p:sp>
     </p:spTree>
     <p:extLst>
       <p:ext uri="{BB962C8B-B14F-4D97-AF65-F5344CB8AC3E}">
